--- a/Research_Summarizer_Project.pptx
+++ b/Research_Summarizer_Project.pptx
@@ -20,8 +20,9 @@
     <p:sldId id="268" r:id="rId14"/>
     <p:sldId id="269" r:id="rId15"/>
     <p:sldId id="270" r:id="rId16"/>
-    <p:sldId id="271" r:id="rId17"/>
-    <p:sldId id="272" r:id="rId18"/>
+    <p:sldId id="273" r:id="rId17"/>
+    <p:sldId id="271" r:id="rId18"/>
+    <p:sldId id="272" r:id="rId19"/>
   </p:sldIdLst>
   <p:sldSz cx="9144000" cy="6858000" type="screen4x3"/>
   <p:notesSz cx="6858000" cy="9144000"/>
@@ -142,7 +143,7 @@
 <file path=ppt/revisionInfo.xml><?xml version="1.0" encoding="utf-8"?>
 <p1510:revInfo xmlns:a="http://schemas.openxmlformats.org/drawingml/2006/main" xmlns:r="http://schemas.openxmlformats.org/officeDocument/2006/relationships" xmlns:p1510="http://schemas.microsoft.com/office/powerpoint/2015/10/main">
   <p1510:revLst>
-    <p1510:client id="{D3ECBFAE-2E7C-4318-B77F-CDDC4CAAD571}" v="2" dt="2026-01-31T07:23:02.245"/>
+    <p1510:client id="{D3ECBFAE-2E7C-4318-B77F-CDDC4CAAD571}" v="6" dt="2026-01-31T07:59:21.594"/>
   </p1510:revLst>
 </p1510:revInfo>
 </file>
@@ -151,8 +152,8 @@
 <pc:chgInfo xmlns:a="http://schemas.openxmlformats.org/drawingml/2006/main" xmlns:r="http://schemas.openxmlformats.org/officeDocument/2006/relationships" xmlns:ac="http://schemas.microsoft.com/office/drawing/2013/main/command" xmlns:pc="http://schemas.microsoft.com/office/powerpoint/2013/main/command">
   <pc:docChgLst>
     <pc:chgData name="Ruhama Y. Mekonnen" userId="f55263af839ded1e" providerId="LiveId" clId="{5A8E9F9C-59A7-4A83-9D39-F3F10297DD2D}"/>
-    <pc:docChg chg="undo custSel modSld">
-      <pc:chgData name="Ruhama Y. Mekonnen" userId="f55263af839ded1e" providerId="LiveId" clId="{5A8E9F9C-59A7-4A83-9D39-F3F10297DD2D}" dt="2026-01-31T07:29:48.398" v="47" actId="20577"/>
+    <pc:docChg chg="undo redo custSel addSld modSld">
+      <pc:chgData name="Ruhama Y. Mekonnen" userId="f55263af839ded1e" providerId="LiveId" clId="{5A8E9F9C-59A7-4A83-9D39-F3F10297DD2D}" dt="2026-01-31T07:59:57.557" v="160" actId="20577"/>
       <pc:docMkLst>
         <pc:docMk/>
       </pc:docMkLst>
@@ -271,7 +272,7 @@
         </pc:spChg>
       </pc:sldChg>
       <pc:sldChg chg="modSp mod">
-        <pc:chgData name="Ruhama Y. Mekonnen" userId="f55263af839ded1e" providerId="LiveId" clId="{5A8E9F9C-59A7-4A83-9D39-F3F10297DD2D}" dt="2026-01-31T07:22:22.014" v="6" actId="27636"/>
+        <pc:chgData name="Ruhama Y. Mekonnen" userId="f55263af839ded1e" providerId="LiveId" clId="{5A8E9F9C-59A7-4A83-9D39-F3F10297DD2D}" dt="2026-01-31T07:48:56.856" v="100" actId="20577"/>
         <pc:sldMkLst>
           <pc:docMk/>
           <pc:sldMk cId="0" sldId="262"/>
@@ -284,9 +285,17 @@
             <ac:spMk id="2" creationId="{00000000-0000-0000-0000-000000000000}"/>
           </ac:spMkLst>
         </pc:spChg>
+        <pc:spChg chg="mod">
+          <ac:chgData name="Ruhama Y. Mekonnen" userId="f55263af839ded1e" providerId="LiveId" clId="{5A8E9F9C-59A7-4A83-9D39-F3F10297DD2D}" dt="2026-01-31T07:48:56.856" v="100" actId="20577"/>
+          <ac:spMkLst>
+            <pc:docMk/>
+            <pc:sldMk cId="0" sldId="262"/>
+            <ac:spMk id="3" creationId="{00000000-0000-0000-0000-000000000000}"/>
+          </ac:spMkLst>
+        </pc:spChg>
       </pc:sldChg>
       <pc:sldChg chg="modSp mod">
-        <pc:chgData name="Ruhama Y. Mekonnen" userId="f55263af839ded1e" providerId="LiveId" clId="{5A8E9F9C-59A7-4A83-9D39-F3F10297DD2D}" dt="2026-01-31T07:22:22.017" v="7" actId="27636"/>
+        <pc:chgData name="Ruhama Y. Mekonnen" userId="f55263af839ded1e" providerId="LiveId" clId="{5A8E9F9C-59A7-4A83-9D39-F3F10297DD2D}" dt="2026-01-31T07:51:28.195" v="123" actId="6549"/>
         <pc:sldMkLst>
           <pc:docMk/>
           <pc:sldMk cId="0" sldId="263"/>
@@ -299,19 +308,35 @@
             <ac:spMk id="2" creationId="{00000000-0000-0000-0000-000000000000}"/>
           </ac:spMkLst>
         </pc:spChg>
+        <pc:spChg chg="mod">
+          <ac:chgData name="Ruhama Y. Mekonnen" userId="f55263af839ded1e" providerId="LiveId" clId="{5A8E9F9C-59A7-4A83-9D39-F3F10297DD2D}" dt="2026-01-31T07:51:28.195" v="123" actId="6549"/>
+          <ac:spMkLst>
+            <pc:docMk/>
+            <pc:sldMk cId="0" sldId="263"/>
+            <ac:spMk id="3" creationId="{00000000-0000-0000-0000-000000000000}"/>
+          </ac:spMkLst>
+        </pc:spChg>
       </pc:sldChg>
       <pc:sldChg chg="modSp mod">
-        <pc:chgData name="Ruhama Y. Mekonnen" userId="f55263af839ded1e" providerId="LiveId" clId="{5A8E9F9C-59A7-4A83-9D39-F3F10297DD2D}" dt="2026-01-31T07:22:22.022" v="8" actId="27636"/>
+        <pc:chgData name="Ruhama Y. Mekonnen" userId="f55263af839ded1e" providerId="LiveId" clId="{5A8E9F9C-59A7-4A83-9D39-F3F10297DD2D}" dt="2026-01-31T07:54:45.177" v="134" actId="20577"/>
         <pc:sldMkLst>
           <pc:docMk/>
           <pc:sldMk cId="0" sldId="264"/>
         </pc:sldMkLst>
         <pc:spChg chg="mod">
-          <ac:chgData name="Ruhama Y. Mekonnen" userId="f55263af839ded1e" providerId="LiveId" clId="{5A8E9F9C-59A7-4A83-9D39-F3F10297DD2D}" dt="2026-01-31T07:22:22.022" v="8" actId="27636"/>
+          <ac:chgData name="Ruhama Y. Mekonnen" userId="f55263af839ded1e" providerId="LiveId" clId="{5A8E9F9C-59A7-4A83-9D39-F3F10297DD2D}" dt="2026-01-31T07:53:53.815" v="126" actId="27636"/>
           <ac:spMkLst>
             <pc:docMk/>
             <pc:sldMk cId="0" sldId="264"/>
             <ac:spMk id="2" creationId="{00000000-0000-0000-0000-000000000000}"/>
+          </ac:spMkLst>
+        </pc:spChg>
+        <pc:spChg chg="mod">
+          <ac:chgData name="Ruhama Y. Mekonnen" userId="f55263af839ded1e" providerId="LiveId" clId="{5A8E9F9C-59A7-4A83-9D39-F3F10297DD2D}" dt="2026-01-31T07:54:45.177" v="134" actId="20577"/>
+          <ac:spMkLst>
+            <pc:docMk/>
+            <pc:sldMk cId="0" sldId="264"/>
+            <ac:spMk id="3" creationId="{00000000-0000-0000-0000-000000000000}"/>
           </ac:spMkLst>
         </pc:spChg>
       </pc:sldChg>
@@ -354,7 +379,7 @@
         </pc:spChg>
       </pc:sldChg>
       <pc:sldChg chg="modSp mod">
-        <pc:chgData name="Ruhama Y. Mekonnen" userId="f55263af839ded1e" providerId="LiveId" clId="{5A8E9F9C-59A7-4A83-9D39-F3F10297DD2D}" dt="2026-01-31T07:22:22.061" v="12" actId="27636"/>
+        <pc:chgData name="Ruhama Y. Mekonnen" userId="f55263af839ded1e" providerId="LiveId" clId="{5A8E9F9C-59A7-4A83-9D39-F3F10297DD2D}" dt="2026-01-31T07:52:52.585" v="124" actId="5793"/>
         <pc:sldMkLst>
           <pc:docMk/>
           <pc:sldMk cId="0" sldId="268"/>
@@ -368,7 +393,7 @@
           </ac:spMkLst>
         </pc:spChg>
         <pc:spChg chg="mod">
-          <ac:chgData name="Ruhama Y. Mekonnen" userId="f55263af839ded1e" providerId="LiveId" clId="{5A8E9F9C-59A7-4A83-9D39-F3F10297DD2D}" dt="2026-01-31T07:22:22.061" v="12" actId="27636"/>
+          <ac:chgData name="Ruhama Y. Mekonnen" userId="f55263af839ded1e" providerId="LiveId" clId="{5A8E9F9C-59A7-4A83-9D39-F3F10297DD2D}" dt="2026-01-31T07:52:52.585" v="124" actId="5793"/>
           <ac:spMkLst>
             <pc:docMk/>
             <pc:sldMk cId="0" sldId="268"/>
@@ -388,6 +413,29 @@
             <pc:docMk/>
             <pc:sldMk cId="0" sldId="269"/>
             <ac:spMk id="2" creationId="{00000000-0000-0000-0000-000000000000}"/>
+          </ac:spMkLst>
+        </pc:spChg>
+      </pc:sldChg>
+      <pc:sldChg chg="modSp new mod">
+        <pc:chgData name="Ruhama Y. Mekonnen" userId="f55263af839ded1e" providerId="LiveId" clId="{5A8E9F9C-59A7-4A83-9D39-F3F10297DD2D}" dt="2026-01-31T07:59:57.557" v="160" actId="20577"/>
+        <pc:sldMkLst>
+          <pc:docMk/>
+          <pc:sldMk cId="1679560600" sldId="273"/>
+        </pc:sldMkLst>
+        <pc:spChg chg="mod">
+          <ac:chgData name="Ruhama Y. Mekonnen" userId="f55263af839ded1e" providerId="LiveId" clId="{5A8E9F9C-59A7-4A83-9D39-F3F10297DD2D}" dt="2026-01-31T07:59:26.452" v="150" actId="27636"/>
+          <ac:spMkLst>
+            <pc:docMk/>
+            <pc:sldMk cId="1679560600" sldId="273"/>
+            <ac:spMk id="2" creationId="{FB926E3D-BF51-747F-6830-1FD9C5E494A0}"/>
+          </ac:spMkLst>
+        </pc:spChg>
+        <pc:spChg chg="mod">
+          <ac:chgData name="Ruhama Y. Mekonnen" userId="f55263af839ded1e" providerId="LiveId" clId="{5A8E9F9C-59A7-4A83-9D39-F3F10297DD2D}" dt="2026-01-31T07:59:57.557" v="160" actId="20577"/>
+          <ac:spMkLst>
+            <pc:docMk/>
+            <pc:sldMk cId="1679560600" sldId="273"/>
+            <ac:spMk id="3" creationId="{932D8350-9F38-EB1C-5065-E6963A813F64}"/>
           </ac:spMkLst>
         </pc:spChg>
       </pc:sldChg>
@@ -3967,6 +4015,7 @@
               <a:defRPr sz="2000"/>
             </a:pPr>
             <a:r>
+              <a:rPr dirty="0"/>
               <a:t>Retrieval-Augmented Generation for paper chat</a:t>
             </a:r>
           </a:p>
@@ -3977,16 +4026,18 @@
               </a:spcAft>
               <a:defRPr sz="2000"/>
             </a:pPr>
-            <a:endParaRPr/>
-          </a:p>
-          <a:p>
-            <a:pPr>
-              <a:spcAft>
-                <a:spcPts val="800"/>
-              </a:spcAft>
-              <a:defRPr sz="2000"/>
-            </a:pPr>
-            <a:r>
+            <a:endParaRPr dirty="0"/>
+          </a:p>
+          <a:p>
+            <a:pPr marL="0" indent="0">
+              <a:spcAft>
+                <a:spcPts val="800"/>
+              </a:spcAft>
+              <a:buNone/>
+              <a:defRPr sz="2000"/>
+            </a:pPr>
+            <a:r>
+              <a:rPr dirty="0"/>
               <a:t>Pipeline:</a:t>
             </a:r>
           </a:p>
@@ -3998,17 +4049,27 @@
               <a:defRPr sz="2000"/>
             </a:pPr>
             <a:r>
-              <a:t>1. Embed all sentences (SentenceTransformer: all-MiniLM-L6-v2)</a:t>
-            </a:r>
-          </a:p>
-          <a:p>
-            <a:pPr>
-              <a:spcAft>
-                <a:spcPts val="800"/>
-              </a:spcAft>
-              <a:defRPr sz="2000"/>
-            </a:pPr>
-            <a:r>
+              <a:rPr dirty="0"/>
+              <a:t>1. Embed all sentences (</a:t>
+            </a:r>
+            <a:r>
+              <a:rPr dirty="0" err="1"/>
+              <a:t>SentenceTransformer</a:t>
+            </a:r>
+            <a:r>
+              <a:rPr dirty="0"/>
+              <a:t>: all-MiniLM-L6-v2)</a:t>
+            </a:r>
+          </a:p>
+          <a:p>
+            <a:pPr>
+              <a:spcAft>
+                <a:spcPts val="800"/>
+              </a:spcAft>
+              <a:defRPr sz="2000"/>
+            </a:pPr>
+            <a:r>
+              <a:rPr dirty="0"/>
               <a:t>2. Embed user question</a:t>
             </a:r>
           </a:p>
@@ -4020,6 +4081,7 @@
               <a:defRPr sz="2000"/>
             </a:pPr>
             <a:r>
+              <a:rPr dirty="0"/>
               <a:t>3. Cosine similarity search → retrieve top-5 sentences</a:t>
             </a:r>
           </a:p>
@@ -4031,37 +4093,64 @@
               <a:defRPr sz="2000"/>
             </a:pPr>
             <a:r>
-              <a:t>4. Pass context + question to Ollama (llama3.2)</a:t>
-            </a:r>
-          </a:p>
-          <a:p>
-            <a:pPr>
-              <a:spcAft>
-                <a:spcPts val="800"/>
-              </a:spcAft>
-              <a:defRPr sz="2000"/>
-            </a:pPr>
-            <a:r>
-              <a:t>5. Fallback to DistilBERT-SQuAD if Ollama unavailable</a:t>
-            </a:r>
-          </a:p>
-          <a:p>
-            <a:pPr>
-              <a:spcAft>
-                <a:spcPts val="800"/>
-              </a:spcAft>
-              <a:defRPr sz="2000"/>
-            </a:pPr>
-            <a:endParaRPr/>
-          </a:p>
-          <a:p>
-            <a:pPr>
-              <a:spcAft>
-                <a:spcPts val="800"/>
-              </a:spcAft>
-              <a:defRPr sz="2000"/>
-            </a:pPr>
-            <a:r>
+              <a:rPr dirty="0"/>
+              <a:t>4. Pass context + question to </a:t>
+            </a:r>
+            <a:r>
+              <a:rPr dirty="0" err="1"/>
+              <a:t>Ollama</a:t>
+            </a:r>
+            <a:r>
+              <a:rPr dirty="0"/>
+              <a:t> (llama3.2)</a:t>
+            </a:r>
+          </a:p>
+          <a:p>
+            <a:pPr>
+              <a:spcAft>
+                <a:spcPts val="800"/>
+              </a:spcAft>
+              <a:defRPr sz="2000"/>
+            </a:pPr>
+            <a:r>
+              <a:rPr dirty="0"/>
+              <a:t>5. Fallback to </a:t>
+            </a:r>
+            <a:r>
+              <a:rPr dirty="0" err="1"/>
+              <a:t>DistilBERT-SQuAD</a:t>
+            </a:r>
+            <a:r>
+              <a:rPr dirty="0"/>
+              <a:t> if </a:t>
+            </a:r>
+            <a:r>
+              <a:rPr dirty="0" err="1"/>
+              <a:t>Ollama</a:t>
+            </a:r>
+            <a:r>
+              <a:rPr dirty="0"/>
+              <a:t> unavailable</a:t>
+            </a:r>
+          </a:p>
+          <a:p>
+            <a:pPr>
+              <a:spcAft>
+                <a:spcPts val="800"/>
+              </a:spcAft>
+              <a:defRPr sz="2000"/>
+            </a:pPr>
+            <a:endParaRPr dirty="0"/>
+          </a:p>
+          <a:p>
+            <a:pPr>
+              <a:spcAft>
+                <a:spcPts val="800"/>
+              </a:spcAft>
+              <a:defRPr sz="2000"/>
+            </a:pPr>
+            <a:r>
+              <a:rPr dirty="0"/>
               <a:t>Why this architecture? Local-first, privacy-preserving Q&amp;A</a:t>
             </a:r>
           </a:p>
@@ -4403,6 +4492,171 @@
       </p:grpSpPr>
       <p:sp>
         <p:nvSpPr>
+          <p:cNvPr id="2" name="Title 1">
+            <a:extLst>
+              <a:ext uri="{FF2B5EF4-FFF2-40B4-BE49-F238E27FC236}">
+                <a16:creationId xmlns:a16="http://schemas.microsoft.com/office/drawing/2014/main" id="{FB926E3D-BF51-747F-6830-1FD9C5E494A0}"/>
+              </a:ext>
+            </a:extLst>
+          </p:cNvPr>
+          <p:cNvSpPr>
+            <a:spLocks noGrp="1"/>
+          </p:cNvSpPr>
+          <p:nvPr>
+            <p:ph type="title"/>
+          </p:nvPr>
+        </p:nvSpPr>
+        <p:spPr/>
+        <p:txBody>
+          <a:bodyPr>
+            <a:normAutofit/>
+          </a:bodyPr>
+          <a:lstStyle/>
+          <a:p>
+            <a:r>
+              <a:rPr lang="en-US" dirty="0"/>
+              <a:t>Technical Limitations</a:t>
+            </a:r>
+          </a:p>
+        </p:txBody>
+      </p:sp>
+      <p:sp>
+        <p:nvSpPr>
+          <p:cNvPr id="3" name="Content Placeholder 2">
+            <a:extLst>
+              <a:ext uri="{FF2B5EF4-FFF2-40B4-BE49-F238E27FC236}">
+                <a16:creationId xmlns:a16="http://schemas.microsoft.com/office/drawing/2014/main" id="{932D8350-9F38-EB1C-5065-E6963A813F64}"/>
+              </a:ext>
+            </a:extLst>
+          </p:cNvPr>
+          <p:cNvSpPr>
+            <a:spLocks noGrp="1"/>
+          </p:cNvSpPr>
+          <p:nvPr>
+            <p:ph idx="1"/>
+          </p:nvPr>
+        </p:nvSpPr>
+        <p:spPr/>
+        <p:txBody>
+          <a:bodyPr>
+            <a:normAutofit fontScale="92500" lnSpcReduction="20000"/>
+          </a:bodyPr>
+          <a:lstStyle/>
+          <a:p>
+            <a:r>
+              <a:rPr lang="en-US" dirty="0"/>
+              <a:t> </a:t>
+            </a:r>
+            <a:r>
+              <a:rPr lang="en-US" b="1" dirty="0"/>
+              <a:t>No OCR support</a:t>
+            </a:r>
+            <a:r>
+              <a:rPr lang="en-US" dirty="0"/>
+              <a:t> - Cannot process scanned/image-based PDFs (~5-10% failure rate)</a:t>
+            </a:r>
+          </a:p>
+          <a:p>
+            <a:r>
+              <a:rPr lang="en-US" dirty="0"/>
+              <a:t> </a:t>
+            </a:r>
+            <a:r>
+              <a:rPr lang="en-US" b="1" dirty="0"/>
+              <a:t>Mathematical equations poorly preserved</a:t>
+            </a:r>
+            <a:r>
+              <a:rPr lang="en-US" dirty="0"/>
+              <a:t> - LaTeX formulas become garbled text</a:t>
+            </a:r>
+          </a:p>
+          <a:p>
+            <a:r>
+              <a:rPr lang="en-US" dirty="0"/>
+              <a:t> </a:t>
+            </a:r>
+            <a:r>
+              <a:rPr lang="en-US" b="1" dirty="0"/>
+              <a:t>No figure/table extraction</a:t>
+            </a:r>
+            <a:r>
+              <a:rPr lang="en-US" dirty="0"/>
+              <a:t> - Loses critical visual information (graphs, diagrams, data tables)</a:t>
+            </a:r>
+          </a:p>
+          <a:p>
+            <a:r>
+              <a:rPr lang="en-US" dirty="0"/>
+              <a:t> </a:t>
+            </a:r>
+            <a:r>
+              <a:rPr lang="en-US" b="1" dirty="0"/>
+              <a:t>Context window limits</a:t>
+            </a:r>
+            <a:r>
+              <a:rPr lang="en-US" dirty="0"/>
+              <a:t> - Even LED (16K tokens) struggles with 50+ page papers</a:t>
+            </a:r>
+          </a:p>
+          <a:p>
+            <a:r>
+              <a:rPr lang="en-US"/>
+              <a:t> </a:t>
+            </a:r>
+            <a:r>
+              <a:rPr lang="en-US" b="1" dirty="0"/>
+              <a:t>High GPU memory requirement</a:t>
+            </a:r>
+            <a:r>
+              <a:rPr lang="en-US" dirty="0"/>
+              <a:t> - </a:t>
+            </a:r>
+            <a:r>
+              <a:rPr lang="en-US"/>
+              <a:t>LED needs </a:t>
+            </a:r>
+            <a:r>
+              <a:rPr lang="en-US" dirty="0"/>
+              <a:t>VRAM, poor performance on CPU-only machines</a:t>
+            </a:r>
+          </a:p>
+          <a:p>
+            <a:endParaRPr lang="en-US" dirty="0"/>
+          </a:p>
+        </p:txBody>
+      </p:sp>
+    </p:spTree>
+    <p:extLst>
+      <p:ext uri="{BB962C8B-B14F-4D97-AF65-F5344CB8AC3E}">
+        <p14:creationId xmlns:p14="http://schemas.microsoft.com/office/powerpoint/2010/main" val="1679560600"/>
+      </p:ext>
+    </p:extLst>
+  </p:cSld>
+  <p:clrMapOvr>
+    <a:masterClrMapping/>
+  </p:clrMapOvr>
+</p:sld>
+</file>
+
+<file path=ppt/slides/slide17.xml><?xml version="1.0" encoding="utf-8"?>
+<p:sld xmlns:a="http://schemas.openxmlformats.org/drawingml/2006/main" xmlns:r="http://schemas.openxmlformats.org/officeDocument/2006/relationships" xmlns:p="http://schemas.openxmlformats.org/presentationml/2006/main">
+  <p:cSld>
+    <p:spTree>
+      <p:nvGrpSpPr>
+        <p:cNvPr id="1" name=""/>
+        <p:cNvGrpSpPr/>
+        <p:nvPr/>
+      </p:nvGrpSpPr>
+      <p:grpSpPr>
+        <a:xfrm>
+          <a:off x="0" y="0"/>
+          <a:ext cx="0" cy="0"/>
+          <a:chOff x="0" y="0"/>
+          <a:chExt cx="0" cy="0"/>
+        </a:xfrm>
+      </p:grpSpPr>
+      <p:sp>
+        <p:nvSpPr>
           <p:cNvPr id="2" name="Title 1"/>
           <p:cNvSpPr>
             <a:spLocks noGrp="1"/>
@@ -4543,7 +4797,7 @@
 </p:sld>
 </file>
 
-<file path=ppt/slides/slide17.xml><?xml version="1.0" encoding="utf-8"?>
+<file path=ppt/slides/slide18.xml><?xml version="1.0" encoding="utf-8"?>
 <p:sld xmlns:a="http://schemas.openxmlformats.org/drawingml/2006/main" xmlns:r="http://schemas.openxmlformats.org/officeDocument/2006/relationships" xmlns:p="http://schemas.openxmlformats.org/presentationml/2006/main">
   <p:cSld>
     <p:spTree>
@@ -5455,6 +5709,7 @@
               <a:defRPr sz="2000"/>
             </a:pPr>
             <a:r>
+              <a:rPr dirty="0"/>
               <a:t>Challenge: Papers often exceed 10,000 tokens</a:t>
             </a:r>
           </a:p>
@@ -5465,16 +5720,17 @@
               </a:spcAft>
               <a:defRPr sz="2000"/>
             </a:pPr>
-            <a:endParaRPr/>
-          </a:p>
-          <a:p>
-            <a:pPr>
-              <a:spcAft>
-                <a:spcPts val="800"/>
-              </a:spcAft>
-              <a:defRPr sz="2000"/>
-            </a:pPr>
-            <a:r>
+            <a:endParaRPr dirty="0"/>
+          </a:p>
+          <a:p>
+            <a:pPr>
+              <a:spcAft>
+                <a:spcPts val="800"/>
+              </a:spcAft>
+              <a:defRPr sz="2000"/>
+            </a:pPr>
+            <a:r>
+              <a:rPr dirty="0"/>
               <a:t>Solution: Sliding window chunking</a:t>
             </a:r>
           </a:p>
@@ -5486,6 +5742,7 @@
               <a:defRPr sz="1800"/>
             </a:pPr>
             <a:r>
+              <a:rPr dirty="0"/>
               <a:t>Chunk size: 3000 characters (~750 tokens)</a:t>
             </a:r>
           </a:p>
@@ -5497,6 +5754,7 @@
               <a:defRPr sz="1800"/>
             </a:pPr>
             <a:r>
+              <a:rPr dirty="0"/>
               <a:t>Overlap: 200 characters (preserve context continuity)</a:t>
             </a:r>
           </a:p>
@@ -5508,6 +5766,7 @@
               <a:defRPr sz="1800"/>
             </a:pPr>
             <a:r>
+              <a:rPr dirty="0"/>
               <a:t>Smart breaking at word boundaries</a:t>
             </a:r>
           </a:p>
@@ -5518,16 +5777,17 @@
               </a:spcAft>
               <a:defRPr sz="2000"/>
             </a:pPr>
-            <a:endParaRPr/>
-          </a:p>
-          <a:p>
-            <a:pPr>
-              <a:spcAft>
-                <a:spcPts val="800"/>
-              </a:spcAft>
-              <a:defRPr sz="2000"/>
-            </a:pPr>
-            <a:r>
+            <a:endParaRPr dirty="0"/>
+          </a:p>
+          <a:p>
+            <a:pPr>
+              <a:spcAft>
+                <a:spcPts val="800"/>
+              </a:spcAft>
+              <a:defRPr sz="2000"/>
+            </a:pPr>
+            <a:r>
+              <a:rPr dirty="0"/>
               <a:t>Why not process full text?</a:t>
             </a:r>
           </a:p>
@@ -5539,6 +5799,7 @@
               <a:defRPr sz="1800"/>
             </a:pPr>
             <a:r>
+              <a:rPr dirty="0"/>
               <a:t>Even LED has practical memory limits at inference</a:t>
             </a:r>
           </a:p>
@@ -5550,6 +5811,7 @@
               <a:defRPr sz="1800"/>
             </a:pPr>
             <a:r>
+              <a:rPr dirty="0"/>
               <a:t>Chunking enables parallel processing</a:t>
             </a:r>
           </a:p>
@@ -5625,7 +5887,16 @@
               <a:defRPr sz="2000"/>
             </a:pPr>
             <a:r>
-              <a:t>Method: Sentence ranking via sklearn TfidfVectorizer</a:t>
+              <a:rPr dirty="0"/>
+              <a:t>Method: Sentence ranking via T</a:t>
+            </a:r>
+            <a:r>
+              <a:rPr lang="en-US" dirty="0"/>
+              <a:t>F-IDF </a:t>
+            </a:r>
+            <a:r>
+              <a:rPr dirty="0"/>
+              <a:t>Vectorizer</a:t>
             </a:r>
           </a:p>
           <a:p>
@@ -5636,6 +5907,7 @@
               <a:defRPr sz="1800"/>
             </a:pPr>
             <a:r>
+              <a:rPr dirty="0"/>
               <a:t>Tokenize text into sentences (NLTK)</a:t>
             </a:r>
           </a:p>
@@ -5647,6 +5919,7 @@
               <a:defRPr sz="1800"/>
             </a:pPr>
             <a:r>
+              <a:rPr dirty="0"/>
               <a:t>Compute TF-IDF scores for each sentence</a:t>
             </a:r>
           </a:p>
@@ -5658,6 +5931,7 @@
               <a:defRPr sz="1800"/>
             </a:pPr>
             <a:r>
+              <a:rPr dirty="0"/>
               <a:t>Rank by sum of term weights, select top-N</a:t>
             </a:r>
           </a:p>
@@ -5668,16 +5942,17 @@
               </a:spcAft>
               <a:defRPr sz="2000"/>
             </a:pPr>
-            <a:endParaRPr/>
-          </a:p>
-          <a:p>
-            <a:pPr>
-              <a:spcAft>
-                <a:spcPts val="800"/>
-              </a:spcAft>
-              <a:defRPr sz="2000"/>
-            </a:pPr>
-            <a:r>
+            <a:endParaRPr dirty="0"/>
+          </a:p>
+          <a:p>
+            <a:pPr>
+              <a:spcAft>
+                <a:spcPts val="800"/>
+              </a:spcAft>
+              <a:defRPr sz="2000"/>
+            </a:pPr>
+            <a:r>
+              <a:rPr dirty="0"/>
               <a:t>Why TF-IDF vs BERT embeddings?</a:t>
             </a:r>
           </a:p>
@@ -5689,6 +5964,7 @@
               <a:defRPr sz="1800"/>
             </a:pPr>
             <a:r>
+              <a:rPr dirty="0"/>
               <a:t>100x faster (no GPU required)</a:t>
             </a:r>
           </a:p>
@@ -5700,7 +5976,16 @@
               <a:defRPr sz="1800"/>
             </a:pPr>
             <a:r>
-              <a:t>Interpretable scores (debugging/explainability)</a:t>
+              <a:rPr dirty="0"/>
+              <a:t>Interpretable scores (explainab</a:t>
+            </a:r>
+            <a:r>
+              <a:rPr lang="en-US" dirty="0"/>
+              <a:t>le</a:t>
+            </a:r>
+            <a:r>
+              <a:rPr dirty="0"/>
+              <a:t>)</a:t>
             </a:r>
           </a:p>
           <a:p>
@@ -5711,7 +5996,16 @@
               <a:defRPr sz="1800"/>
             </a:pPr>
             <a:r>
-              <a:t>Sufficient for identifying salient sentences</a:t>
+              <a:rPr dirty="0"/>
+              <a:t>Sufficient for identifying </a:t>
+            </a:r>
+            <a:r>
+              <a:rPr lang="en-US" dirty="0"/>
+              <a:t>important</a:t>
+            </a:r>
+            <a:r>
+              <a:rPr dirty="0"/>
+              <a:t> sentences</a:t>
             </a:r>
           </a:p>
         </p:txBody>
@@ -5786,8 +6080,18 @@
               <a:defRPr sz="2000"/>
             </a:pPr>
             <a:r>
-              <a:t>Model: AllenAI Longformer Encoder-Decoder (LED-base-16384)</a:t>
-            </a:r>
+              <a:rPr dirty="0"/>
+              <a:t>Model: </a:t>
+            </a:r>
+            <a:r>
+              <a:rPr dirty="0" err="1"/>
+              <a:t>Longformer</a:t>
+            </a:r>
+            <a:r>
+              <a:rPr dirty="0"/>
+              <a:t> Encoder-Decoder</a:t>
+            </a:r>
+            <a:endParaRPr lang="en-US" dirty="0"/>
           </a:p>
           <a:p>
             <a:pPr lvl="1">
@@ -5797,6 +6101,7 @@
               <a:defRPr sz="1800"/>
             </a:pPr>
             <a:r>
+              <a:rPr lang="en-US" dirty="0"/>
               <a:t>Transformer with sparse attention (global + local)</a:t>
             </a:r>
           </a:p>
@@ -5808,7 +6113,16 @@
               <a:defRPr sz="1800"/>
             </a:pPr>
             <a:r>
-              <a:t>Pre-trained on arXiv + PubMed scientific papers</a:t>
+              <a:rPr dirty="0"/>
+              <a:t>Pre-trained on </a:t>
+            </a:r>
+            <a:r>
+              <a:rPr dirty="0" err="1"/>
+              <a:t>arXiv</a:t>
+            </a:r>
+            <a:r>
+              <a:rPr dirty="0"/>
+              <a:t> + PubMed scientific papers</a:t>
             </a:r>
           </a:p>
           <a:p>
@@ -5819,6 +6133,7 @@
               <a:defRPr sz="1800"/>
             </a:pPr>
             <a:r>
+              <a:rPr dirty="0"/>
               <a:t>Context window: 16,384 tokens (~4x longer than BERT)</a:t>
             </a:r>
           </a:p>
@@ -5829,16 +6144,17 @@
               </a:spcAft>
               <a:defRPr sz="2000"/>
             </a:pPr>
-            <a:endParaRPr/>
-          </a:p>
-          <a:p>
-            <a:pPr>
-              <a:spcAft>
-                <a:spcPts val="800"/>
-              </a:spcAft>
-              <a:defRPr sz="2000"/>
-            </a:pPr>
-            <a:r>
+            <a:endParaRPr dirty="0"/>
+          </a:p>
+          <a:p>
+            <a:pPr>
+              <a:spcAft>
+                <a:spcPts val="800"/>
+              </a:spcAft>
+              <a:defRPr sz="2000"/>
+            </a:pPr>
+            <a:r>
+              <a:rPr dirty="0"/>
               <a:t>Why LED specifically?</a:t>
             </a:r>
           </a:p>
@@ -5850,7 +6166,20 @@
               <a:defRPr sz="1800"/>
             </a:pPr>
             <a:r>
-              <a:t>Designed for long documents (attention is O(n) not O(n²))</a:t>
+              <a:rPr dirty="0"/>
+              <a:t>Designed for long documents (attention is O(</a:t>
+            </a:r>
+            <a:r>
+              <a:rPr dirty="0" err="1"/>
+              <a:t>n</a:t>
+            </a:r>
+            <a:r>
+              <a:rPr lang="en-US" dirty="0" err="1"/>
+              <a:t>w</a:t>
+            </a:r>
+            <a:r>
+              <a:rPr dirty="0"/>
+              <a:t>) not O(n²))</a:t>
             </a:r>
           </a:p>
           <a:p>
@@ -5861,6 +6190,7 @@
               <a:defRPr sz="1800"/>
             </a:pPr>
             <a:r>
+              <a:rPr dirty="0"/>
               <a:t>Domain-specific pre-training on scientific text</a:t>
             </a:r>
           </a:p>
@@ -5872,6 +6202,7 @@
               <a:defRPr sz="1800"/>
             </a:pPr>
             <a:r>
+              <a:rPr dirty="0"/>
               <a:t>Generates fluent, coherent summaries (not just extraction)</a:t>
             </a:r>
           </a:p>
@@ -5915,12 +6246,21 @@
         <p:spPr/>
         <p:txBody>
           <a:bodyPr>
-            <a:normAutofit fontScale="90000"/>
+            <a:normAutofit/>
           </a:bodyPr>
           <a:lstStyle/>
           <a:p>
             <a:r>
-              <a:t>Fallback: DistilBART-CNN (Why We Offer This)</a:t>
+              <a:rPr dirty="0"/>
+              <a:t>Fallback: </a:t>
+            </a:r>
+            <a:r>
+              <a:rPr dirty="0" err="1"/>
+              <a:t>DistilBART</a:t>
+            </a:r>
+            <a:r>
+              <a:rPr dirty="0"/>
+              <a:t>-CNN</a:t>
             </a:r>
           </a:p>
         </p:txBody>
@@ -5947,7 +6287,16 @@
               <a:defRPr sz="2000"/>
             </a:pPr>
             <a:r>
-              <a:t>Model: sshleifer/distilbart-cnn-12-6</a:t>
+              <a:rPr dirty="0"/>
+              <a:t>Model: </a:t>
+            </a:r>
+            <a:r>
+              <a:rPr dirty="0" err="1"/>
+              <a:t>sshleifer</a:t>
+            </a:r>
+            <a:r>
+              <a:rPr dirty="0"/>
+              <a:t>/distilbart-cnn-12-6</a:t>
             </a:r>
           </a:p>
           <a:p>
@@ -5958,6 +6307,7 @@
               <a:defRPr sz="1800"/>
             </a:pPr>
             <a:r>
+              <a:rPr dirty="0"/>
               <a:t>Distilled BART model (smaller, faster)</a:t>
             </a:r>
           </a:p>
@@ -5969,27 +6319,45 @@
               <a:defRPr sz="1800"/>
             </a:pPr>
             <a:r>
-              <a:t>Trained on CNN/DailyMail news dataset</a:t>
-            </a:r>
-          </a:p>
-          <a:p>
-            <a:pPr>
-              <a:spcAft>
-                <a:spcPts val="800"/>
-              </a:spcAft>
-              <a:defRPr sz="2000"/>
-            </a:pPr>
-            <a:endParaRPr/>
-          </a:p>
-          <a:p>
-            <a:pPr>
-              <a:spcAft>
-                <a:spcPts val="800"/>
-              </a:spcAft>
-              <a:defRPr sz="2000"/>
-            </a:pPr>
-            <a:r>
-              <a:t>When to use DistilBART instead of LED?</a:t>
+              <a:rPr dirty="0"/>
+              <a:t>Trained on CNN/</a:t>
+            </a:r>
+            <a:r>
+              <a:rPr dirty="0" err="1"/>
+              <a:t>DailyMail</a:t>
+            </a:r>
+            <a:r>
+              <a:rPr dirty="0"/>
+              <a:t> news dataset</a:t>
+            </a:r>
+          </a:p>
+          <a:p>
+            <a:pPr>
+              <a:spcAft>
+                <a:spcPts val="800"/>
+              </a:spcAft>
+              <a:defRPr sz="2000"/>
+            </a:pPr>
+            <a:endParaRPr dirty="0"/>
+          </a:p>
+          <a:p>
+            <a:pPr>
+              <a:spcAft>
+                <a:spcPts val="800"/>
+              </a:spcAft>
+              <a:defRPr sz="2000"/>
+            </a:pPr>
+            <a:r>
+              <a:rPr dirty="0"/>
+              <a:t>When to use </a:t>
+            </a:r>
+            <a:r>
+              <a:rPr dirty="0" err="1"/>
+              <a:t>DistilBART</a:t>
+            </a:r>
+            <a:r>
+              <a:rPr dirty="0"/>
+              <a:t> instead of LED?</a:t>
             </a:r>
           </a:p>
           <a:p>
@@ -6000,7 +6368,8 @@
               <a:defRPr sz="1800"/>
             </a:pPr>
             <a:r>
-              <a:t>Papers &lt; 1024 tokens (short abstracts/letters)</a:t>
+              <a:rPr dirty="0"/>
+              <a:t>Papers &lt; 1024 tokens (short abstracts)</a:t>
             </a:r>
           </a:p>
           <a:p>
@@ -6011,7 +6380,16 @@
               <a:defRPr sz="1800"/>
             </a:pPr>
             <a:r>
-              <a:t>Limited GPU memory (LED requires ~6GB, DistilBART ~2GB)</a:t>
+              <a:rPr dirty="0"/>
+              <a:t>Limited GPU memory (LED requires ~6GB, </a:t>
+            </a:r>
+            <a:r>
+              <a:rPr dirty="0" err="1"/>
+              <a:t>DistilBART</a:t>
+            </a:r>
+            <a:r>
+              <a:rPr dirty="0"/>
+              <a:t> ~2GB)</a:t>
             </a:r>
           </a:p>
           <a:p>
@@ -6022,6 +6400,7 @@
               <a:defRPr sz="1800"/>
             </a:pPr>
             <a:r>
+              <a:rPr dirty="0"/>
               <a:t>Faster inference needed (3x speedup)</a:t>
             </a:r>
           </a:p>
@@ -6032,16 +6411,17 @@
               </a:spcAft>
               <a:defRPr sz="2000"/>
             </a:pPr>
-            <a:endParaRPr/>
-          </a:p>
-          <a:p>
-            <a:pPr>
-              <a:spcAft>
-                <a:spcPts val="800"/>
-              </a:spcAft>
-              <a:defRPr sz="2000"/>
-            </a:pPr>
-            <a:r>
+            <a:endParaRPr dirty="0"/>
+          </a:p>
+          <a:p>
+            <a:pPr>
+              <a:spcAft>
+                <a:spcPts val="800"/>
+              </a:spcAft>
+              <a:defRPr sz="2000"/>
+            </a:pPr>
+            <a:r>
+              <a:rPr dirty="0"/>
               <a:t>Trade-off: Less context, more generic (news vs science)</a:t>
             </a:r>
           </a:p>
